--- a/LectureNotes/3.Playtesting/Playtesting.pptx
+++ b/LectureNotes/3.Playtesting/Playtesting.pptx
@@ -17,9 +17,7 @@
     <p:sldId id="265" r:id="rId11"/>
     <p:sldId id="266" r:id="rId12"/>
     <p:sldId id="267" r:id="rId13"/>
-    <p:sldId id="269" r:id="rId14"/>
-    <p:sldId id="270" r:id="rId15"/>
-    <p:sldId id="268" r:id="rId16"/>
+    <p:sldId id="268" r:id="rId14"/>
   </p:sldIdLst>
   <p:sldSz cx="12192000" cy="6858000"/>
   <p:notesSz cx="6858000" cy="9144000"/>
@@ -273,7 +271,7 @@
           <a:p>
             <a:fld id="{5E322444-AC78-4D7E-B8B8-5ACC761D4F45}" type="datetimeFigureOut">
               <a:rPr lang="en-US" smtClean="0"/>
-              <a:t>7/18/2021</a:t>
+              <a:t>11/17/2021</a:t>
             </a:fld>
             <a:endParaRPr lang="en-US"/>
           </a:p>
@@ -471,7 +469,7 @@
           <a:p>
             <a:fld id="{5E322444-AC78-4D7E-B8B8-5ACC761D4F45}" type="datetimeFigureOut">
               <a:rPr lang="en-US" smtClean="0"/>
-              <a:t>7/18/2021</a:t>
+              <a:t>11/17/2021</a:t>
             </a:fld>
             <a:endParaRPr lang="en-US"/>
           </a:p>
@@ -679,7 +677,7 @@
           <a:p>
             <a:fld id="{5E322444-AC78-4D7E-B8B8-5ACC761D4F45}" type="datetimeFigureOut">
               <a:rPr lang="en-US" smtClean="0"/>
-              <a:t>7/18/2021</a:t>
+              <a:t>11/17/2021</a:t>
             </a:fld>
             <a:endParaRPr lang="en-US"/>
           </a:p>
@@ -877,7 +875,7 @@
           <a:p>
             <a:fld id="{5E322444-AC78-4D7E-B8B8-5ACC761D4F45}" type="datetimeFigureOut">
               <a:rPr lang="en-US" smtClean="0"/>
-              <a:t>7/18/2021</a:t>
+              <a:t>11/17/2021</a:t>
             </a:fld>
             <a:endParaRPr lang="en-US"/>
           </a:p>
@@ -1152,7 +1150,7 @@
           <a:p>
             <a:fld id="{5E322444-AC78-4D7E-B8B8-5ACC761D4F45}" type="datetimeFigureOut">
               <a:rPr lang="en-US" smtClean="0"/>
-              <a:t>7/18/2021</a:t>
+              <a:t>11/17/2021</a:t>
             </a:fld>
             <a:endParaRPr lang="en-US"/>
           </a:p>
@@ -1417,7 +1415,7 @@
           <a:p>
             <a:fld id="{5E322444-AC78-4D7E-B8B8-5ACC761D4F45}" type="datetimeFigureOut">
               <a:rPr lang="en-US" smtClean="0"/>
-              <a:t>7/18/2021</a:t>
+              <a:t>11/17/2021</a:t>
             </a:fld>
             <a:endParaRPr lang="en-US"/>
           </a:p>
@@ -1829,7 +1827,7 @@
           <a:p>
             <a:fld id="{5E322444-AC78-4D7E-B8B8-5ACC761D4F45}" type="datetimeFigureOut">
               <a:rPr lang="en-US" smtClean="0"/>
-              <a:t>7/18/2021</a:t>
+              <a:t>11/17/2021</a:t>
             </a:fld>
             <a:endParaRPr lang="en-US"/>
           </a:p>
@@ -1970,7 +1968,7 @@
           <a:p>
             <a:fld id="{5E322444-AC78-4D7E-B8B8-5ACC761D4F45}" type="datetimeFigureOut">
               <a:rPr lang="en-US" smtClean="0"/>
-              <a:t>7/18/2021</a:t>
+              <a:t>11/17/2021</a:t>
             </a:fld>
             <a:endParaRPr lang="en-US"/>
           </a:p>
@@ -2083,7 +2081,7 @@
           <a:p>
             <a:fld id="{5E322444-AC78-4D7E-B8B8-5ACC761D4F45}" type="datetimeFigureOut">
               <a:rPr lang="en-US" smtClean="0"/>
-              <a:t>7/18/2021</a:t>
+              <a:t>11/17/2021</a:t>
             </a:fld>
             <a:endParaRPr lang="en-US"/>
           </a:p>
@@ -2394,7 +2392,7 @@
           <a:p>
             <a:fld id="{5E322444-AC78-4D7E-B8B8-5ACC761D4F45}" type="datetimeFigureOut">
               <a:rPr lang="en-US" smtClean="0"/>
-              <a:t>7/18/2021</a:t>
+              <a:t>11/17/2021</a:t>
             </a:fld>
             <a:endParaRPr lang="en-US"/>
           </a:p>
@@ -2682,7 +2680,7 @@
           <a:p>
             <a:fld id="{5E322444-AC78-4D7E-B8B8-5ACC761D4F45}" type="datetimeFigureOut">
               <a:rPr lang="en-US" smtClean="0"/>
-              <a:t>7/18/2021</a:t>
+              <a:t>11/17/2021</a:t>
             </a:fld>
             <a:endParaRPr lang="en-US"/>
           </a:p>
@@ -2923,7 +2921,7 @@
           <a:p>
             <a:fld id="{5E322444-AC78-4D7E-B8B8-5ACC761D4F45}" type="datetimeFigureOut">
               <a:rPr lang="en-US" smtClean="0"/>
-              <a:t>7/18/2021</a:t>
+              <a:t>11/17/2021</a:t>
             </a:fld>
             <a:endParaRPr lang="en-US"/>
           </a:p>
@@ -3391,17 +3389,7 @@
           <a:p>
             <a:r>
               <a:rPr lang="en-US" dirty="0"/>
-              <a:t>Chapter 9 of </a:t>
-            </a:r>
-          </a:p>
-          <a:p>
-            <a:r>
-              <a:rPr lang="en-US" i="1" dirty="0"/>
-              <a:t>Game Design Workshop a play centric approach to creating innovative games</a:t>
-            </a:r>
-            <a:r>
-              <a:rPr lang="en-US" dirty="0"/>
-              <a:t>, Tracy Fullerton, Burlington, MA, Morgan Kaufmann, 2008.</a:t>
+              <a:t>Chapter 9 of Tracy Fullerton, E2 on Syllabus</a:t>
             </a:r>
           </a:p>
         </p:txBody>
@@ -4005,20 +3993,27 @@
         <p:spPr/>
         <p:txBody>
           <a:bodyPr>
-            <a:normAutofit fontScale="77500" lnSpcReduction="20000"/>
+            <a:normAutofit fontScale="85000" lnSpcReduction="20000"/>
           </a:bodyPr>
           <a:lstStyle/>
           <a:p>
             <a:r>
               <a:rPr lang="en-US" dirty="0"/>
-              <a:t>Zoom team breakout rooms</a:t>
+              <a:t>Not as much time (I will keep track)</a:t>
             </a:r>
           </a:p>
           <a:p>
             <a:pPr lvl="1"/>
             <a:r>
               <a:rPr lang="en-US" dirty="0"/>
-              <a:t>NOTE: Watch the warning, when time, we will close all rooms so we all return to the main room</a:t>
+              <a:t>10 minutes per team</a:t>
+            </a:r>
+          </a:p>
+          <a:p>
+            <a:pPr lvl="1"/>
+            <a:r>
+              <a:rPr lang="en-US" dirty="0"/>
+              <a:t>2 minutes eval after teach play + Survey if any from the team</a:t>
             </a:r>
           </a:p>
           <a:p>
@@ -4031,75 +4026,60 @@
             <a:pPr lvl="1"/>
             <a:r>
               <a:rPr lang="en-US" dirty="0"/>
-              <a:t>In the main room:</a:t>
+              <a:t>Developer: </a:t>
             </a:r>
           </a:p>
           <a:p>
             <a:pPr lvl="2"/>
             <a:r>
               <a:rPr lang="en-US" dirty="0"/>
-              <a:t>Developer: VERY quickly, show us how to play your games and brief us on what to note</a:t>
+              <a:t>VERY quickly, show us how to play your games and brief us on what to note</a:t>
+            </a:r>
+          </a:p>
+          <a:p>
+            <a:pPr lvl="2"/>
+            <a:r>
+              <a:rPr lang="en-US" dirty="0"/>
+              <a:t>Set up your own surveys (what people like/dislike) if you want</a:t>
+            </a:r>
+          </a:p>
+          <a:p>
+            <a:pPr lvl="3"/>
+            <a:r>
+              <a:rPr lang="en-US" dirty="0"/>
+              <a:t>How many questions is reasonable? </a:t>
+            </a:r>
+          </a:p>
+          <a:p>
+            <a:pPr lvl="2"/>
+            <a:r>
+              <a:rPr lang="en-US" dirty="0"/>
+              <a:t>Remember, the more you talk, the less we can play</a:t>
+            </a:r>
+          </a:p>
+          <a:p>
+            <a:pPr lvl="2"/>
+            <a:r>
+              <a:rPr lang="en-US" dirty="0"/>
+              <a:t>WALK around, observe, DO NOT tell people what to do, </a:t>
+            </a:r>
+            <a:r>
+              <a:rPr lang="en-US" b="1" i="1" u="sng" dirty="0"/>
+              <a:t>take notes</a:t>
             </a:r>
           </a:p>
           <a:p>
             <a:pPr lvl="1"/>
             <a:r>
               <a:rPr lang="en-US" dirty="0"/>
-              <a:t>We all go back to our team breakout room to play (remember think out aloud)</a:t>
+              <a:t>Tester pay attention</a:t>
             </a:r>
           </a:p>
           <a:p>
             <a:pPr lvl="2"/>
             <a:r>
               <a:rPr lang="en-US" dirty="0"/>
-              <a:t>1 players share playing screen at a time (take turn) </a:t>
-            </a:r>
-          </a:p>
-          <a:p>
-            <a:pPr lvl="2"/>
-            <a:r>
-              <a:rPr lang="en-US" dirty="0"/>
-              <a:t>At least one </a:t>
-            </a:r>
-            <a:r>
-              <a:rPr lang="en-US" b="1" i="1" u="sng" dirty="0"/>
-              <a:t>take notes </a:t>
-            </a:r>
-            <a:r>
-              <a:rPr lang="en-US" dirty="0"/>
-              <a:t>to post feedback</a:t>
-            </a:r>
-          </a:p>
-          <a:p>
-            <a:pPr lvl="2"/>
-            <a:r>
-              <a:rPr lang="en-US" dirty="0"/>
-              <a:t>Remember to post your feedback</a:t>
-            </a:r>
-          </a:p>
-          <a:p>
-            <a:pPr lvl="2"/>
-            <a:r>
-              <a:rPr lang="en-US" b="1" i="1" dirty="0"/>
-              <a:t>When question</a:t>
-            </a:r>
-            <a:r>
-              <a:rPr lang="en-US" dirty="0"/>
-              <a:t>, post to Chat (can post to specific person if want to)</a:t>
-            </a:r>
-          </a:p>
-          <a:p>
-            <a:pPr lvl="1"/>
-            <a:r>
-              <a:rPr lang="en-US" dirty="0"/>
-              <a:t>Developers pay attention to the Chat for questions</a:t>
-            </a:r>
-          </a:p>
-          <a:p>
-            <a:pPr lvl="2"/>
-            <a:r>
-              <a:rPr lang="en-US" dirty="0"/>
-              <a:t>Wander between channels to check out how people are playing</a:t>
+              <a:t>DO NOT exploit bugs</a:t>
             </a:r>
           </a:p>
           <a:p>
@@ -4114,13 +4094,20 @@
             </a:r>
             <a:r>
               <a:rPr lang="en-US" dirty="0"/>
-              <a:t>(on all relevant information)</a:t>
-            </a:r>
-          </a:p>
-          <a:p>
-            <a:r>
-              <a:rPr lang="en-US" dirty="0"/>
-              <a:t>When time’s up, I will post to Chat and will close all rooms to force everyone back to main room</a:t>
+              <a:t>(on all relevant information for feedback)</a:t>
+            </a:r>
+          </a:p>
+          <a:p>
+            <a:pPr lvl="2"/>
+            <a:r>
+              <a:rPr lang="en-US" dirty="0"/>
+              <a:t>Acceptable for different person to take note for the team for different games</a:t>
+            </a:r>
+          </a:p>
+          <a:p>
+            <a:r>
+              <a:rPr lang="en-US" dirty="0"/>
+              <a:t>When time’s up, I will yell at everyone</a:t>
             </a:r>
           </a:p>
           <a:p>
@@ -4168,7 +4155,7 @@
           <p:cNvPr id="2" name="Title 1">
             <a:extLst>
               <a:ext uri="{FF2B5EF4-FFF2-40B4-BE49-F238E27FC236}">
-                <a16:creationId xmlns:a16="http://schemas.microsoft.com/office/drawing/2014/main" id="{A6985717-7285-4E47-9A57-B13BC5BF4F4F}"/>
+                <a16:creationId xmlns:a16="http://schemas.microsoft.com/office/drawing/2014/main" id="{0D9B47B3-7F66-42C8-BB55-3BF6D3DB8B94}"/>
               </a:ext>
             </a:extLst>
           </p:cNvPr>
@@ -4186,7 +4173,7 @@
           <a:p>
             <a:r>
               <a:rPr lang="en-US" dirty="0"/>
-              <a:t>Implementation </a:t>
+              <a:t>Written feedback</a:t>
             </a:r>
           </a:p>
         </p:txBody>
@@ -4196,7 +4183,7 @@
           <p:cNvPr id="3" name="Content Placeholder 2">
             <a:extLst>
               <a:ext uri="{FF2B5EF4-FFF2-40B4-BE49-F238E27FC236}">
-                <a16:creationId xmlns:a16="http://schemas.microsoft.com/office/drawing/2014/main" id="{3EFCD8F0-35B6-49B9-93D5-244FB25F600C}"/>
+                <a16:creationId xmlns:a16="http://schemas.microsoft.com/office/drawing/2014/main" id="{FB37AE2B-DE18-4113-8C49-8657C35BBFE8}"/>
               </a:ext>
             </a:extLst>
           </p:cNvPr>
@@ -4212,291 +4199,71 @@
           <a:bodyPr/>
           <a:lstStyle/>
           <a:p>
-            <a:pPr fontAlgn="ctr"/>
-            <a:r>
-              <a:rPr lang="en-US" dirty="0"/>
-              <a:t>Observe classmates play our games</a:t>
-            </a:r>
-          </a:p>
-          <a:p>
-            <a:pPr fontAlgn="ctr"/>
-            <a:r>
-              <a:rPr lang="en-US" dirty="0"/>
-              <a:t>Feedback: </a:t>
-            </a:r>
-            <a:r>
-              <a:rPr lang="en-US" dirty="0">
+            <a:r>
+              <a:rPr lang="en-US">
                 <a:hlinkClick r:id="rId2"/>
               </a:rPr>
-              <a:t>Check here</a:t>
-            </a:r>
+              <a:t>Considerations</a:t>
+            </a:r>
+            <a:endParaRPr lang="en-US"/>
+          </a:p>
+          <a:p>
+            <a:pPr marL="0" indent="0">
+              <a:buNone/>
+            </a:pPr>
             <a:endParaRPr lang="en-US" dirty="0"/>
           </a:p>
           <a:p>
-            <a:pPr lvl="1" fontAlgn="ctr"/>
-            <a:r>
-              <a:rPr lang="en-US" dirty="0"/>
-              <a:t>Considerations for feedback  (next slide)</a:t>
-            </a:r>
-          </a:p>
-          <a:p>
-            <a:pPr lvl="1" fontAlgn="ctr"/>
-            <a:r>
-              <a:rPr lang="en-US" dirty="0"/>
-              <a:t>Template for feedback  (next slide)</a:t>
-            </a:r>
-          </a:p>
-          <a:p>
-            <a:pPr fontAlgn="ctr"/>
-            <a:r>
-              <a:rPr lang="en-US" dirty="0"/>
-              <a:t>Mechanics of feedback </a:t>
-            </a:r>
-          </a:p>
-          <a:p>
-            <a:pPr lvl="1" fontAlgn="ctr"/>
-            <a:r>
-              <a:rPr lang="en-US" dirty="0"/>
-              <a:t>Post as response to each team</a:t>
-            </a:r>
-          </a:p>
-          <a:p>
-            <a:pPr lvl="1" fontAlgn="ctr"/>
-            <a:r>
-              <a:rPr lang="en-US" dirty="0"/>
-              <a:t>EVERY team must provide feedback for every other teams </a:t>
-            </a:r>
-          </a:p>
-          <a:p>
-            <a:pPr lvl="1" fontAlgn="ctr"/>
-            <a:r>
-              <a:rPr lang="en-US" dirty="0"/>
-              <a:t>Deadline: </a:t>
-            </a:r>
-          </a:p>
-          <a:p>
-            <a:pPr lvl="2" fontAlgn="ctr"/>
-            <a:r>
-              <a:rPr lang="en-US" dirty="0"/>
-              <a:t>Feedback by </a:t>
-            </a:r>
-            <a:r>
-              <a:rPr lang="en-US" b="1" u="sng" dirty="0">
-                <a:solidFill>
-                  <a:srgbClr val="FF0000"/>
-                </a:solidFill>
+            <a:r>
+              <a:rPr lang="en-US" dirty="0">
+                <a:hlinkClick r:id="rId3"/>
               </a:rPr>
-              <a:t>Wednesday midnight</a:t>
-            </a:r>
+              <a:t>Feedback format/template</a:t>
+            </a:r>
+            <a:endParaRPr lang="en-US" dirty="0"/>
+          </a:p>
+          <a:p>
+            <a:endParaRPr lang="en-US" dirty="0"/>
+          </a:p>
+          <a:p>
+            <a:r>
+              <a:rPr lang="en-US" dirty="0"/>
+              <a:t>Each team: must provide feedbacks for every other team</a:t>
+            </a:r>
+          </a:p>
+          <a:p>
+            <a:pPr lvl="1"/>
+            <a:r>
+              <a:rPr lang="en-US" dirty="0"/>
+              <a:t>At least one per team (OK to disagree and provide separate one if you choose)</a:t>
+            </a:r>
+          </a:p>
+          <a:p>
+            <a:pPr lvl="1"/>
+            <a:r>
+              <a:rPr lang="en-US" dirty="0"/>
+              <a:t>Important to provide actual actionable information</a:t>
+            </a:r>
+          </a:p>
+          <a:p>
+            <a:pPr lvl="1"/>
+            <a:r>
+              <a:rPr lang="en-US" dirty="0"/>
+              <a:t>Feedbacks are graded!</a:t>
+            </a:r>
+          </a:p>
+          <a:p>
+            <a:pPr marL="0" indent="0">
+              <a:buNone/>
+            </a:pPr>
+            <a:endParaRPr lang="en-US" dirty="0"/>
           </a:p>
         </p:txBody>
       </p:sp>
     </p:spTree>
     <p:extLst>
       <p:ext uri="{BB962C8B-B14F-4D97-AF65-F5344CB8AC3E}">
-        <p14:creationId xmlns:p14="http://schemas.microsoft.com/office/powerpoint/2010/main" val="1572549773"/>
-      </p:ext>
-    </p:extLst>
-  </p:cSld>
-  <p:clrMapOvr>
-    <a:masterClrMapping/>
-  </p:clrMapOvr>
-</p:sld>
-</file>
-
-<file path=ppt/slides/slide14.xml><?xml version="1.0" encoding="utf-8"?>
-<p:sld xmlns:a="http://schemas.openxmlformats.org/drawingml/2006/main" xmlns:r="http://schemas.openxmlformats.org/officeDocument/2006/relationships" xmlns:p="http://schemas.openxmlformats.org/presentationml/2006/main">
-  <p:cSld>
-    <p:spTree>
-      <p:nvGrpSpPr>
-        <p:cNvPr id="1" name=""/>
-        <p:cNvGrpSpPr/>
-        <p:nvPr/>
-      </p:nvGrpSpPr>
-      <p:grpSpPr>
-        <a:xfrm>
-          <a:off x="0" y="0"/>
-          <a:ext cx="0" cy="0"/>
-          <a:chOff x="0" y="0"/>
-          <a:chExt cx="0" cy="0"/>
-        </a:xfrm>
-      </p:grpSpPr>
-      <p:pic>
-        <p:nvPicPr>
-          <p:cNvPr id="5" name="Picture 4">
-            <a:extLst>
-              <a:ext uri="{FF2B5EF4-FFF2-40B4-BE49-F238E27FC236}">
-                <a16:creationId xmlns:a16="http://schemas.microsoft.com/office/drawing/2014/main" id="{EEAF6E99-2A38-4E0F-8302-E7D17D8C602D}"/>
-              </a:ext>
-            </a:extLst>
-          </p:cNvPr>
-          <p:cNvPicPr>
-            <a:picLocks noChangeAspect="1"/>
-          </p:cNvPicPr>
-          <p:nvPr/>
-        </p:nvPicPr>
-        <p:blipFill>
-          <a:blip r:embed="rId2"/>
-          <a:stretch>
-            <a:fillRect/>
-          </a:stretch>
-        </p:blipFill>
-        <p:spPr>
-          <a:xfrm>
-            <a:off x="883298" y="1374101"/>
-            <a:ext cx="4514008" cy="5378151"/>
-          </a:xfrm>
-          <a:prstGeom prst="rect">
-            <a:avLst/>
-          </a:prstGeom>
-          <a:ln>
-            <a:solidFill>
-              <a:schemeClr val="tx1"/>
-            </a:solidFill>
-          </a:ln>
-        </p:spPr>
-      </p:pic>
-      <p:sp>
-        <p:nvSpPr>
-          <p:cNvPr id="2" name="Title 1">
-            <a:extLst>
-              <a:ext uri="{FF2B5EF4-FFF2-40B4-BE49-F238E27FC236}">
-                <a16:creationId xmlns:a16="http://schemas.microsoft.com/office/drawing/2014/main" id="{05BF0218-26D5-4593-8BF8-C1C9E74BF577}"/>
-              </a:ext>
-            </a:extLst>
-          </p:cNvPr>
-          <p:cNvSpPr>
-            <a:spLocks noGrp="1"/>
-          </p:cNvSpPr>
-          <p:nvPr>
-            <p:ph type="title"/>
-          </p:nvPr>
-        </p:nvSpPr>
-        <p:spPr/>
-        <p:txBody>
-          <a:bodyPr/>
-          <a:lstStyle/>
-          <a:p>
-            <a:r>
-              <a:rPr lang="en-US" dirty="0"/>
-              <a:t>Consideration and Template for feedback</a:t>
-            </a:r>
-          </a:p>
-        </p:txBody>
-      </p:sp>
-      <p:pic>
-        <p:nvPicPr>
-          <p:cNvPr id="4" name="Content Placeholder 3">
-            <a:extLst>
-              <a:ext uri="{FF2B5EF4-FFF2-40B4-BE49-F238E27FC236}">
-                <a16:creationId xmlns:a16="http://schemas.microsoft.com/office/drawing/2014/main" id="{FA69C720-9296-43BC-A088-6B5F239DA4FF}"/>
-              </a:ext>
-            </a:extLst>
-          </p:cNvPr>
-          <p:cNvPicPr>
-            <a:picLocks noGrp="1" noChangeAspect="1"/>
-          </p:cNvPicPr>
-          <p:nvPr>
-            <p:ph idx="1"/>
-          </p:nvPr>
-        </p:nvPicPr>
-        <p:blipFill>
-          <a:blip r:embed="rId3"/>
-          <a:stretch>
-            <a:fillRect/>
-          </a:stretch>
-        </p:blipFill>
-        <p:spPr>
-          <a:xfrm>
-            <a:off x="5719270" y="1956253"/>
-            <a:ext cx="5981318" cy="4351338"/>
-          </a:xfrm>
-          <a:prstGeom prst="rect">
-            <a:avLst/>
-          </a:prstGeom>
-          <a:ln>
-            <a:solidFill>
-              <a:schemeClr val="tx1"/>
-            </a:solidFill>
-          </a:ln>
-        </p:spPr>
-      </p:pic>
-    </p:spTree>
-    <p:extLst>
-      <p:ext uri="{BB962C8B-B14F-4D97-AF65-F5344CB8AC3E}">
-        <p14:creationId xmlns:p14="http://schemas.microsoft.com/office/powerpoint/2010/main" val="4133710685"/>
-      </p:ext>
-    </p:extLst>
-  </p:cSld>
-  <p:clrMapOvr>
-    <a:masterClrMapping/>
-  </p:clrMapOvr>
-</p:sld>
-</file>
-
-<file path=ppt/slides/slide15.xml><?xml version="1.0" encoding="utf-8"?>
-<p:sld xmlns:a="http://schemas.openxmlformats.org/drawingml/2006/main" xmlns:r="http://schemas.openxmlformats.org/officeDocument/2006/relationships" xmlns:p="http://schemas.openxmlformats.org/presentationml/2006/main">
-  <p:cSld>
-    <p:spTree>
-      <p:nvGrpSpPr>
-        <p:cNvPr id="1" name=""/>
-        <p:cNvGrpSpPr/>
-        <p:nvPr/>
-      </p:nvGrpSpPr>
-      <p:grpSpPr>
-        <a:xfrm>
-          <a:off x="0" y="0"/>
-          <a:ext cx="0" cy="0"/>
-          <a:chOff x="0" y="0"/>
-          <a:chExt cx="0" cy="0"/>
-        </a:xfrm>
-      </p:grpSpPr>
-      <p:sp>
-        <p:nvSpPr>
-          <p:cNvPr id="3" name="Content Placeholder 2">
-            <a:extLst>
-              <a:ext uri="{FF2B5EF4-FFF2-40B4-BE49-F238E27FC236}">
-                <a16:creationId xmlns:a16="http://schemas.microsoft.com/office/drawing/2014/main" id="{A695EB26-79AA-45FA-B7C9-EDDDD103600B}"/>
-              </a:ext>
-            </a:extLst>
-          </p:cNvPr>
-          <p:cNvSpPr>
-            <a:spLocks noGrp="1"/>
-          </p:cNvSpPr>
-          <p:nvPr>
-            <p:ph idx="1"/>
-          </p:nvPr>
-        </p:nvSpPr>
-        <p:spPr>
-          <a:xfrm>
-            <a:off x="4413504" y="1834769"/>
-            <a:ext cx="4172712" cy="2993263"/>
-          </a:xfrm>
-        </p:spPr>
-        <p:txBody>
-          <a:bodyPr/>
-          <a:lstStyle/>
-          <a:p>
-            <a:endParaRPr lang="en-US" dirty="0"/>
-          </a:p>
-          <a:p>
-            <a:endParaRPr lang="en-US" dirty="0"/>
-          </a:p>
-          <a:p>
-            <a:pPr marL="0" indent="0">
-              <a:buNone/>
-            </a:pPr>
-            <a:r>
-              <a:rPr lang="en-US" sz="5400" dirty="0"/>
-              <a:t>Questions?</a:t>
-            </a:r>
-          </a:p>
-        </p:txBody>
-      </p:sp>
-    </p:spTree>
-    <p:extLst>
-      <p:ext uri="{BB962C8B-B14F-4D97-AF65-F5344CB8AC3E}">
-        <p14:creationId xmlns:p14="http://schemas.microsoft.com/office/powerpoint/2010/main" val="2845056733"/>
+        <p14:creationId xmlns:p14="http://schemas.microsoft.com/office/powerpoint/2010/main" val="170913403"/>
       </p:ext>
     </p:extLst>
   </p:cSld>
